--- a/Dolphyn_Insights_Final_Presentation.pptx
+++ b/Dolphyn_Insights_Final_Presentation.pptx
@@ -110,6 +110,11 @@
       </a:defRPr>
     </a:lvl9pPr>
   </p:defaultTextStyle>
+  <p:extLst>
+    <p:ext uri="{EFAFB233-063F-42B5-8137-9DF3F51BA10A}">
+      <p15:sldGuideLst xmlns:p15="http://schemas.microsoft.com/office/powerpoint/2012/main"/>
+    </p:ext>
+  </p:extLst>
 </p:presentation>
 </file>
 
@@ -260,7 +265,7 @@
           <a:p>
             <a:fld id="{76969C88-B244-455D-A017-012B25B1ACDD}" type="datetimeFigureOut">
               <a:rPr lang="en-US" smtClean="0"/>
-              <a:t>4/23/21</a:t>
+              <a:t>4/25/21</a:t>
             </a:fld>
             <a:endParaRPr lang="en-US"/>
           </a:p>
@@ -458,7 +463,7 @@
           <a:p>
             <a:fld id="{76969C88-B244-455D-A017-012B25B1ACDD}" type="datetimeFigureOut">
               <a:rPr lang="en-US" smtClean="0"/>
-              <a:t>4/23/21</a:t>
+              <a:t>4/25/21</a:t>
             </a:fld>
             <a:endParaRPr lang="en-US"/>
           </a:p>
@@ -666,7 +671,7 @@
           <a:p>
             <a:fld id="{76969C88-B244-455D-A017-012B25B1ACDD}" type="datetimeFigureOut">
               <a:rPr lang="en-US" smtClean="0"/>
-              <a:t>4/23/21</a:t>
+              <a:t>4/25/21</a:t>
             </a:fld>
             <a:endParaRPr lang="en-US"/>
           </a:p>
@@ -865,7 +870,7 @@
           <a:p>
             <a:fld id="{76969C88-B244-455D-A017-012B25B1ACDD}" type="datetimeFigureOut">
               <a:rPr lang="en-US" smtClean="0"/>
-              <a:t>4/23/21</a:t>
+              <a:t>4/25/21</a:t>
             </a:fld>
             <a:endParaRPr lang="en-US"/>
           </a:p>
@@ -1140,7 +1145,7 @@
           <a:p>
             <a:fld id="{76969C88-B244-455D-A017-012B25B1ACDD}" type="datetimeFigureOut">
               <a:rPr lang="en-US" smtClean="0"/>
-              <a:t>4/23/21</a:t>
+              <a:t>4/25/21</a:t>
             </a:fld>
             <a:endParaRPr lang="en-US"/>
           </a:p>
@@ -1405,7 +1410,7 @@
           <a:p>
             <a:fld id="{76969C88-B244-455D-A017-012B25B1ACDD}" type="datetimeFigureOut">
               <a:rPr lang="en-US" smtClean="0"/>
-              <a:t>4/23/21</a:t>
+              <a:t>4/25/21</a:t>
             </a:fld>
             <a:endParaRPr lang="en-US"/>
           </a:p>
@@ -1817,7 +1822,7 @@
           <a:p>
             <a:fld id="{76969C88-B244-455D-A017-012B25B1ACDD}" type="datetimeFigureOut">
               <a:rPr lang="en-US" smtClean="0"/>
-              <a:t>4/23/21</a:t>
+              <a:t>4/25/21</a:t>
             </a:fld>
             <a:endParaRPr lang="en-US"/>
           </a:p>
@@ -1958,7 +1963,7 @@
           <a:p>
             <a:fld id="{76969C88-B244-455D-A017-012B25B1ACDD}" type="datetimeFigureOut">
               <a:rPr lang="en-US" smtClean="0"/>
-              <a:t>4/23/21</a:t>
+              <a:t>4/25/21</a:t>
             </a:fld>
             <a:endParaRPr lang="en-US"/>
           </a:p>
@@ -2071,7 +2076,7 @@
           <a:p>
             <a:fld id="{76969C88-B244-455D-A017-012B25B1ACDD}" type="datetimeFigureOut">
               <a:rPr lang="en-US" smtClean="0"/>
-              <a:t>4/23/21</a:t>
+              <a:t>4/25/21</a:t>
             </a:fld>
             <a:endParaRPr lang="en-US"/>
           </a:p>
@@ -2383,7 +2388,7 @@
           <a:p>
             <a:fld id="{76969C88-B244-455D-A017-012B25B1ACDD}" type="datetimeFigureOut">
               <a:rPr lang="en-US" smtClean="0"/>
-              <a:t>4/23/21</a:t>
+              <a:t>4/25/21</a:t>
             </a:fld>
             <a:endParaRPr lang="en-US"/>
           </a:p>
@@ -2674,7 +2679,7 @@
           <a:p>
             <a:fld id="{76969C88-B244-455D-A017-012B25B1ACDD}" type="datetimeFigureOut">
               <a:rPr lang="en-US" smtClean="0"/>
-              <a:t>4/23/21</a:t>
+              <a:t>4/25/21</a:t>
             </a:fld>
             <a:endParaRPr lang="en-US"/>
           </a:p>
@@ -3430,7 +3435,7 @@
             <a:fld id="{76969C88-B244-455D-A017-012B25B1ACDD}" type="datetimeFigureOut">
               <a:rPr lang="en-US" smtClean="0"/>
               <a:pPr/>
-              <a:t>4/23/21</a:t>
+              <a:t>4/25/21</a:t>
             </a:fld>
             <a:endParaRPr lang="en-US"/>
           </a:p>
@@ -5486,7 +5491,7 @@
             </a:pPr>
             <a:r>
               <a:rPr lang="en-US" dirty="0"/>
-              <a:t>SUMMARIZE RESULTS – SUMMARIZE RESULTS</a:t>
+              <a:t>Successfully completed preprocessing steps, pivoted away from prediction</a:t>
             </a:r>
           </a:p>
         </p:txBody>
@@ -6611,7 +6616,7 @@
         <p:spPr>
           <a:xfrm>
             <a:off x="546388" y="1676397"/>
-            <a:ext cx="4371975" cy="3139321"/>
+            <a:ext cx="4371975" cy="3970318"/>
           </a:xfrm>
           <a:prstGeom prst="rect">
             <a:avLst/>
@@ -6662,6 +6667,21 @@
               <a:rPr lang="en-US" dirty="0"/>
               <a:t>Pivoted away from image processing around Sprint 3 – less widely applicable</a:t>
             </a:r>
+          </a:p>
+          <a:p>
+            <a:pPr marL="285750" indent="-285750">
+              <a:buFont typeface="Arial" panose="020B0604020202020204" pitchFamily="34" charset="0"/>
+              <a:buChar char="•"/>
+            </a:pPr>
+            <a:r>
+              <a:rPr lang="en-US" dirty="0"/>
+              <a:t>Pivoted away from prediction around Sprint 4 – too much variability on needs of </a:t>
+            </a:r>
+            <a:r>
+              <a:rPr lang="en-US"/>
+              <a:t>different customers</a:t>
+            </a:r>
+            <a:endParaRPr lang="en-US" dirty="0"/>
           </a:p>
         </p:txBody>
       </p:sp>
@@ -7646,7 +7666,7 @@
         <p:spPr>
           <a:xfrm>
             <a:off x="5334001" y="1999212"/>
-            <a:ext cx="6518195" cy="646331"/>
+            <a:ext cx="6575903" cy="1200329"/>
           </a:xfrm>
           <a:prstGeom prst="rect">
             <a:avLst/>
@@ -7692,6 +7712,26 @@
             <a:r>
               <a:rPr lang="en-US" dirty="0"/>
               <a:t>, matplotlib, skit-learn) backend</a:t>
+            </a:r>
+          </a:p>
+          <a:p>
+            <a:pPr marL="285750" indent="-285750">
+              <a:buFont typeface="Arial" panose="020B0604020202020204" pitchFamily="34" charset="0"/>
+              <a:buChar char="•"/>
+            </a:pPr>
+            <a:r>
+              <a:rPr lang="en-US" dirty="0"/>
+              <a:t>Column Drops and Manipulation</a:t>
+            </a:r>
+          </a:p>
+          <a:p>
+            <a:pPr marL="285750" indent="-285750">
+              <a:buFont typeface="Arial" panose="020B0604020202020204" pitchFamily="34" charset="0"/>
+              <a:buChar char="•"/>
+            </a:pPr>
+            <a:r>
+              <a:rPr lang="en-US" dirty="0"/>
+              <a:t>PCA, T-SNI, Linear Regression, Histograms</a:t>
             </a:r>
           </a:p>
         </p:txBody>

--- a/Dolphyn_Insights_Final_Presentation.pptx
+++ b/Dolphyn_Insights_Final_Presentation.pptx
@@ -265,7 +265,7 @@
           <a:p>
             <a:fld id="{76969C88-B244-455D-A017-012B25B1ACDD}" type="datetimeFigureOut">
               <a:rPr lang="en-US" smtClean="0"/>
-              <a:t>4/25/21</a:t>
+              <a:t>4/26/21</a:t>
             </a:fld>
             <a:endParaRPr lang="en-US"/>
           </a:p>
@@ -463,7 +463,7 @@
           <a:p>
             <a:fld id="{76969C88-B244-455D-A017-012B25B1ACDD}" type="datetimeFigureOut">
               <a:rPr lang="en-US" smtClean="0"/>
-              <a:t>4/25/21</a:t>
+              <a:t>4/26/21</a:t>
             </a:fld>
             <a:endParaRPr lang="en-US"/>
           </a:p>
@@ -671,7 +671,7 @@
           <a:p>
             <a:fld id="{76969C88-B244-455D-A017-012B25B1ACDD}" type="datetimeFigureOut">
               <a:rPr lang="en-US" smtClean="0"/>
-              <a:t>4/25/21</a:t>
+              <a:t>4/26/21</a:t>
             </a:fld>
             <a:endParaRPr lang="en-US"/>
           </a:p>
@@ -870,7 +870,7 @@
           <a:p>
             <a:fld id="{76969C88-B244-455D-A017-012B25B1ACDD}" type="datetimeFigureOut">
               <a:rPr lang="en-US" smtClean="0"/>
-              <a:t>4/25/21</a:t>
+              <a:t>4/26/21</a:t>
             </a:fld>
             <a:endParaRPr lang="en-US"/>
           </a:p>
@@ -1145,7 +1145,7 @@
           <a:p>
             <a:fld id="{76969C88-B244-455D-A017-012B25B1ACDD}" type="datetimeFigureOut">
               <a:rPr lang="en-US" smtClean="0"/>
-              <a:t>4/25/21</a:t>
+              <a:t>4/26/21</a:t>
             </a:fld>
             <a:endParaRPr lang="en-US"/>
           </a:p>
@@ -1410,7 +1410,7 @@
           <a:p>
             <a:fld id="{76969C88-B244-455D-A017-012B25B1ACDD}" type="datetimeFigureOut">
               <a:rPr lang="en-US" smtClean="0"/>
-              <a:t>4/25/21</a:t>
+              <a:t>4/26/21</a:t>
             </a:fld>
             <a:endParaRPr lang="en-US"/>
           </a:p>
@@ -1822,7 +1822,7 @@
           <a:p>
             <a:fld id="{76969C88-B244-455D-A017-012B25B1ACDD}" type="datetimeFigureOut">
               <a:rPr lang="en-US" smtClean="0"/>
-              <a:t>4/25/21</a:t>
+              <a:t>4/26/21</a:t>
             </a:fld>
             <a:endParaRPr lang="en-US"/>
           </a:p>
@@ -1963,7 +1963,7 @@
           <a:p>
             <a:fld id="{76969C88-B244-455D-A017-012B25B1ACDD}" type="datetimeFigureOut">
               <a:rPr lang="en-US" smtClean="0"/>
-              <a:t>4/25/21</a:t>
+              <a:t>4/26/21</a:t>
             </a:fld>
             <a:endParaRPr lang="en-US"/>
           </a:p>
@@ -2076,7 +2076,7 @@
           <a:p>
             <a:fld id="{76969C88-B244-455D-A017-012B25B1ACDD}" type="datetimeFigureOut">
               <a:rPr lang="en-US" smtClean="0"/>
-              <a:t>4/25/21</a:t>
+              <a:t>4/26/21</a:t>
             </a:fld>
             <a:endParaRPr lang="en-US"/>
           </a:p>
@@ -2388,7 +2388,7 @@
           <a:p>
             <a:fld id="{76969C88-B244-455D-A017-012B25B1ACDD}" type="datetimeFigureOut">
               <a:rPr lang="en-US" smtClean="0"/>
-              <a:t>4/25/21</a:t>
+              <a:t>4/26/21</a:t>
             </a:fld>
             <a:endParaRPr lang="en-US"/>
           </a:p>
@@ -2679,7 +2679,7 @@
           <a:p>
             <a:fld id="{76969C88-B244-455D-A017-012B25B1ACDD}" type="datetimeFigureOut">
               <a:rPr lang="en-US" smtClean="0"/>
-              <a:t>4/25/21</a:t>
+              <a:t>4/26/21</a:t>
             </a:fld>
             <a:endParaRPr lang="en-US"/>
           </a:p>
@@ -3435,7 +3435,7 @@
             <a:fld id="{76969C88-B244-455D-A017-012B25B1ACDD}" type="datetimeFigureOut">
               <a:rPr lang="en-US" smtClean="0"/>
               <a:pPr/>
-              <a:t>4/25/21</a:t>
+              <a:t>4/26/21</a:t>
             </a:fld>
             <a:endParaRPr lang="en-US"/>
           </a:p>
@@ -7665,7 +7665,7 @@
         </p:nvSpPr>
         <p:spPr>
           <a:xfrm>
-            <a:off x="5334001" y="1999212"/>
+            <a:off x="5334001" y="1419921"/>
             <a:ext cx="6575903" cy="1200329"/>
           </a:xfrm>
           <a:prstGeom prst="rect">
@@ -7736,6 +7736,66 @@
           </a:p>
         </p:txBody>
       </p:sp>
+      <p:pic>
+        <p:nvPicPr>
+          <p:cNvPr id="5" name="Picture 4" descr="Chart, histogram&#10;&#10;Description automatically generated">
+            <a:extLst>
+              <a:ext uri="{FF2B5EF4-FFF2-40B4-BE49-F238E27FC236}">
+                <a16:creationId xmlns:a16="http://schemas.microsoft.com/office/drawing/2014/main" id="{62CD1A51-1395-B14E-B1A1-9E4415496D7E}"/>
+              </a:ext>
+            </a:extLst>
+          </p:cNvPr>
+          <p:cNvPicPr>
+            <a:picLocks noChangeAspect="1"/>
+          </p:cNvPicPr>
+          <p:nvPr/>
+        </p:nvPicPr>
+        <p:blipFill>
+          <a:blip r:embed="rId3"/>
+          <a:stretch>
+            <a:fillRect/>
+          </a:stretch>
+        </p:blipFill>
+        <p:spPr>
+          <a:xfrm>
+            <a:off x="6741813" y="2550129"/>
+            <a:ext cx="3463937" cy="2801998"/>
+          </a:xfrm>
+          <a:prstGeom prst="rect">
+            <a:avLst/>
+          </a:prstGeom>
+        </p:spPr>
+      </p:pic>
+      <p:pic>
+        <p:nvPicPr>
+          <p:cNvPr id="7" name="Picture 6" descr="Graphical user interface, text, application, email&#10;&#10;Description automatically generated">
+            <a:extLst>
+              <a:ext uri="{FF2B5EF4-FFF2-40B4-BE49-F238E27FC236}">
+                <a16:creationId xmlns:a16="http://schemas.microsoft.com/office/drawing/2014/main" id="{A8D63A9E-F24E-1D44-B4A1-57D77F26A2CE}"/>
+              </a:ext>
+            </a:extLst>
+          </p:cNvPr>
+          <p:cNvPicPr>
+            <a:picLocks noChangeAspect="1"/>
+          </p:cNvPicPr>
+          <p:nvPr/>
+        </p:nvPicPr>
+        <p:blipFill>
+          <a:blip r:embed="rId4"/>
+          <a:stretch>
+            <a:fillRect/>
+          </a:stretch>
+        </p:blipFill>
+        <p:spPr>
+          <a:xfrm>
+            <a:off x="6264647" y="5402510"/>
+            <a:ext cx="4418271" cy="1483118"/>
+          </a:xfrm>
+          <a:prstGeom prst="rect">
+            <a:avLst/>
+          </a:prstGeom>
+        </p:spPr>
+      </p:pic>
     </p:spTree>
     <p:extLst>
       <p:ext uri="{BB962C8B-B14F-4D97-AF65-F5344CB8AC3E}">
